--- a/part3/Figures/graph-hashset.pptx
+++ b/part3/Figures/graph-hashset.pptx
@@ -288,7 +288,8 @@
           <a:p>
             <a:fld id="{937E53BE-4F8D-4A46-AEB3-F2DF64371628}" type="datetimeFigureOut">
               <a:rPr lang="en-US" smtClean="0"/>
-              <a:t>4/9/10</a:t>
+              <a:pPr/>
+              <a:t>4/20/10</a:t>
             </a:fld>
             <a:endParaRPr lang="en-US"/>
           </a:p>
@@ -330,6 +331,7 @@
           <a:p>
             <a:fld id="{AF5AAA97-FA48-5342-AAB4-940241EA473E}" type="slidenum">
               <a:rPr lang="en-US" smtClean="0"/>
+              <a:pPr/>
               <a:t>‹#›</a:t>
             </a:fld>
             <a:endParaRPr lang="en-US"/>
@@ -453,7 +455,8 @@
           <a:p>
             <a:fld id="{937E53BE-4F8D-4A46-AEB3-F2DF64371628}" type="datetimeFigureOut">
               <a:rPr lang="en-US" smtClean="0"/>
-              <a:t>4/9/10</a:t>
+              <a:pPr/>
+              <a:t>4/20/10</a:t>
             </a:fld>
             <a:endParaRPr lang="en-US"/>
           </a:p>
@@ -495,6 +498,7 @@
           <a:p>
             <a:fld id="{AF5AAA97-FA48-5342-AAB4-940241EA473E}" type="slidenum">
               <a:rPr lang="en-US" smtClean="0"/>
+              <a:pPr/>
               <a:t>‹#›</a:t>
             </a:fld>
             <a:endParaRPr lang="en-US"/>
@@ -628,7 +632,8 @@
           <a:p>
             <a:fld id="{937E53BE-4F8D-4A46-AEB3-F2DF64371628}" type="datetimeFigureOut">
               <a:rPr lang="en-US" smtClean="0"/>
-              <a:t>4/9/10</a:t>
+              <a:pPr/>
+              <a:t>4/20/10</a:t>
             </a:fld>
             <a:endParaRPr lang="en-US"/>
           </a:p>
@@ -670,6 +675,7 @@
           <a:p>
             <a:fld id="{AF5AAA97-FA48-5342-AAB4-940241EA473E}" type="slidenum">
               <a:rPr lang="en-US" smtClean="0"/>
+              <a:pPr/>
               <a:t>‹#›</a:t>
             </a:fld>
             <a:endParaRPr lang="en-US"/>
@@ -793,7 +799,8 @@
           <a:p>
             <a:fld id="{937E53BE-4F8D-4A46-AEB3-F2DF64371628}" type="datetimeFigureOut">
               <a:rPr lang="en-US" smtClean="0"/>
-              <a:t>4/9/10</a:t>
+              <a:pPr/>
+              <a:t>4/20/10</a:t>
             </a:fld>
             <a:endParaRPr lang="en-US"/>
           </a:p>
@@ -835,6 +842,7 @@
           <a:p>
             <a:fld id="{AF5AAA97-FA48-5342-AAB4-940241EA473E}" type="slidenum">
               <a:rPr lang="en-US" smtClean="0"/>
+              <a:pPr/>
               <a:t>‹#›</a:t>
             </a:fld>
             <a:endParaRPr lang="en-US"/>
@@ -1034,7 +1042,8 @@
           <a:p>
             <a:fld id="{937E53BE-4F8D-4A46-AEB3-F2DF64371628}" type="datetimeFigureOut">
               <a:rPr lang="en-US" smtClean="0"/>
-              <a:t>4/9/10</a:t>
+              <a:pPr/>
+              <a:t>4/20/10</a:t>
             </a:fld>
             <a:endParaRPr lang="en-US"/>
           </a:p>
@@ -1076,6 +1085,7 @@
           <a:p>
             <a:fld id="{AF5AAA97-FA48-5342-AAB4-940241EA473E}" type="slidenum">
               <a:rPr lang="en-US" smtClean="0"/>
+              <a:pPr/>
               <a:t>‹#›</a:t>
             </a:fld>
             <a:endParaRPr lang="en-US"/>
@@ -1317,7 +1327,8 @@
           <a:p>
             <a:fld id="{937E53BE-4F8D-4A46-AEB3-F2DF64371628}" type="datetimeFigureOut">
               <a:rPr lang="en-US" smtClean="0"/>
-              <a:t>4/9/10</a:t>
+              <a:pPr/>
+              <a:t>4/20/10</a:t>
             </a:fld>
             <a:endParaRPr lang="en-US"/>
           </a:p>
@@ -1359,6 +1370,7 @@
           <a:p>
             <a:fld id="{AF5AAA97-FA48-5342-AAB4-940241EA473E}" type="slidenum">
               <a:rPr lang="en-US" smtClean="0"/>
+              <a:pPr/>
               <a:t>‹#›</a:t>
             </a:fld>
             <a:endParaRPr lang="en-US"/>
@@ -1734,7 +1746,8 @@
           <a:p>
             <a:fld id="{937E53BE-4F8D-4A46-AEB3-F2DF64371628}" type="datetimeFigureOut">
               <a:rPr lang="en-US" smtClean="0"/>
-              <a:t>4/9/10</a:t>
+              <a:pPr/>
+              <a:t>4/20/10</a:t>
             </a:fld>
             <a:endParaRPr lang="en-US"/>
           </a:p>
@@ -1776,6 +1789,7 @@
           <a:p>
             <a:fld id="{AF5AAA97-FA48-5342-AAB4-940241EA473E}" type="slidenum">
               <a:rPr lang="en-US" smtClean="0"/>
+              <a:pPr/>
               <a:t>‹#›</a:t>
             </a:fld>
             <a:endParaRPr lang="en-US"/>
@@ -1847,7 +1861,8 @@
           <a:p>
             <a:fld id="{937E53BE-4F8D-4A46-AEB3-F2DF64371628}" type="datetimeFigureOut">
               <a:rPr lang="en-US" smtClean="0"/>
-              <a:t>4/9/10</a:t>
+              <a:pPr/>
+              <a:t>4/20/10</a:t>
             </a:fld>
             <a:endParaRPr lang="en-US"/>
           </a:p>
@@ -1889,6 +1904,7 @@
           <a:p>
             <a:fld id="{AF5AAA97-FA48-5342-AAB4-940241EA473E}" type="slidenum">
               <a:rPr lang="en-US" smtClean="0"/>
+              <a:pPr/>
               <a:t>‹#›</a:t>
             </a:fld>
             <a:endParaRPr lang="en-US"/>
@@ -1937,7 +1953,8 @@
           <a:p>
             <a:fld id="{937E53BE-4F8D-4A46-AEB3-F2DF64371628}" type="datetimeFigureOut">
               <a:rPr lang="en-US" smtClean="0"/>
-              <a:t>4/9/10</a:t>
+              <a:pPr/>
+              <a:t>4/20/10</a:t>
             </a:fld>
             <a:endParaRPr lang="en-US"/>
           </a:p>
@@ -1979,6 +1996,7 @@
           <a:p>
             <a:fld id="{AF5AAA97-FA48-5342-AAB4-940241EA473E}" type="slidenum">
               <a:rPr lang="en-US" smtClean="0"/>
+              <a:pPr/>
               <a:t>‹#›</a:t>
             </a:fld>
             <a:endParaRPr lang="en-US"/>
@@ -2209,7 +2227,8 @@
           <a:p>
             <a:fld id="{937E53BE-4F8D-4A46-AEB3-F2DF64371628}" type="datetimeFigureOut">
               <a:rPr lang="en-US" smtClean="0"/>
-              <a:t>4/9/10</a:t>
+              <a:pPr/>
+              <a:t>4/20/10</a:t>
             </a:fld>
             <a:endParaRPr lang="en-US"/>
           </a:p>
@@ -2251,6 +2270,7 @@
           <a:p>
             <a:fld id="{AF5AAA97-FA48-5342-AAB4-940241EA473E}" type="slidenum">
               <a:rPr lang="en-US" smtClean="0"/>
+              <a:pPr/>
               <a:t>‹#›</a:t>
             </a:fld>
             <a:endParaRPr lang="en-US"/>
@@ -2457,7 +2477,8 @@
           <a:p>
             <a:fld id="{937E53BE-4F8D-4A46-AEB3-F2DF64371628}" type="datetimeFigureOut">
               <a:rPr lang="en-US" smtClean="0"/>
-              <a:t>4/9/10</a:t>
+              <a:pPr/>
+              <a:t>4/20/10</a:t>
             </a:fld>
             <a:endParaRPr lang="en-US"/>
           </a:p>
@@ -2499,6 +2520,7 @@
           <a:p>
             <a:fld id="{AF5AAA97-FA48-5342-AAB4-940241EA473E}" type="slidenum">
               <a:rPr lang="en-US" smtClean="0"/>
+              <a:pPr/>
               <a:t>‹#›</a:t>
             </a:fld>
             <a:endParaRPr lang="en-US"/>
@@ -2665,7 +2687,8 @@
           <a:p>
             <a:fld id="{937E53BE-4F8D-4A46-AEB3-F2DF64371628}" type="datetimeFigureOut">
               <a:rPr lang="en-US" smtClean="0"/>
-              <a:t>4/9/10</a:t>
+              <a:pPr/>
+              <a:t>4/20/10</a:t>
             </a:fld>
             <a:endParaRPr lang="en-US"/>
           </a:p>
@@ -2743,6 +2766,7 @@
           <a:p>
             <a:fld id="{AF5AAA97-FA48-5342-AAB4-940241EA473E}" type="slidenum">
               <a:rPr lang="en-US" smtClean="0"/>
+              <a:pPr/>
               <a:t>‹#›</a:t>
             </a:fld>
             <a:endParaRPr lang="en-US"/>
@@ -3043,8 +3067,8 @@
         </p:nvSpPr>
         <p:spPr>
           <a:xfrm>
-            <a:off x="1981200" y="288667"/>
-            <a:ext cx="2438400" cy="1676400"/>
+            <a:off x="1981200" y="426185"/>
+            <a:ext cx="1972705" cy="945177"/>
           </a:xfrm>
           <a:prstGeom prst="pentagon">
             <a:avLst/>
@@ -3091,8 +3115,8 @@
         </p:nvSpPr>
         <p:spPr>
           <a:xfrm>
-            <a:off x="3810000" y="2346067"/>
-            <a:ext cx="2362200" cy="1676400"/>
+            <a:off x="3817198" y="1567697"/>
+            <a:ext cx="2022813" cy="853588"/>
           </a:xfrm>
           <a:prstGeom prst="pentagon">
             <a:avLst/>
@@ -3123,7 +3147,7 @@
           <a:lstStyle/>
           <a:p>
             <a:pPr algn="ctr"/>
-            <a:endParaRPr lang="en-US"/>
+            <a:endParaRPr lang="en-US" sz="1400"/>
           </a:p>
         </p:txBody>
       </p:sp>
@@ -3135,8 +3159,8 @@
         </p:nvSpPr>
         <p:spPr>
           <a:xfrm>
-            <a:off x="3960085" y="4993265"/>
-            <a:ext cx="1981200" cy="794266"/>
+            <a:off x="4055001" y="3114290"/>
+            <a:ext cx="1586492" cy="593704"/>
           </a:xfrm>
           <a:prstGeom prst="rect">
             <a:avLst/>
@@ -3167,7 +3191,7 @@
           <a:lstStyle/>
           <a:p>
             <a:pPr algn="ctr"/>
-            <a:endParaRPr lang="en-US"/>
+            <a:endParaRPr lang="en-US" sz="1400"/>
           </a:p>
         </p:txBody>
       </p:sp>
@@ -3179,8 +3203,8 @@
         </p:nvSpPr>
         <p:spPr>
           <a:xfrm>
-            <a:off x="574363" y="2650862"/>
-            <a:ext cx="1981200" cy="856565"/>
+            <a:off x="761999" y="2057159"/>
+            <a:ext cx="1595956" cy="579570"/>
           </a:xfrm>
           <a:prstGeom prst="rect">
             <a:avLst/>
@@ -3215,7 +3239,7 @@
           <a:lstStyle/>
           <a:p>
             <a:pPr algn="ctr"/>
-            <a:endParaRPr lang="en-US"/>
+            <a:endParaRPr lang="en-US" sz="1400"/>
           </a:p>
         </p:txBody>
       </p:sp>
@@ -3227,8 +3251,8 @@
         </p:nvSpPr>
         <p:spPr>
           <a:xfrm>
-            <a:off x="2456858" y="866001"/>
-            <a:ext cx="1409623" cy="646331"/>
+            <a:off x="2456858" y="733962"/>
+            <a:ext cx="954859" cy="307777"/>
           </a:xfrm>
           <a:prstGeom prst="rect">
             <a:avLst/>
@@ -3243,34 +3267,26 @@
           <a:p>
             <a:pPr lvl="0"/>
             <a:r>
-              <a:rPr lang="en-US" dirty="0" smtClean="0"/>
+              <a:rPr lang="en-US" sz="1400" dirty="0" smtClean="0"/>
               <a:t> </a:t>
             </a:r>
             <a:r>
-              <a:rPr lang="en-US" dirty="0" err="1">
+              <a:rPr lang="en-US" sz="1400" dirty="0" err="1" smtClean="0">
                 <a:solidFill>
                   <a:prstClr val="black"/>
                 </a:solidFill>
               </a:rPr>
               <a:t>HashMap</a:t>
             </a:r>
-            <a:endParaRPr lang="en-US" dirty="0">
-              <a:solidFill>
-                <a:prstClr val="black"/>
-              </a:solidFill>
-            </a:endParaRPr>
-          </a:p>
-          <a:p>
-            <a:pPr lvl="0"/>
-            <a:r>
-              <a:rPr lang="en-US" i="1" dirty="0">
+            <a:r>
+              <a:rPr lang="en-US" sz="1400" i="1" dirty="0" smtClean="0">
                 <a:solidFill>
                   <a:prstClr val="black"/>
                 </a:solidFill>
               </a:rPr>
-              <a:t>x1 = 2.86MB </a:t>
-            </a:r>
-            <a:endParaRPr lang="en-US" i="1" dirty="0">
+              <a:t> </a:t>
+            </a:r>
+            <a:endParaRPr lang="en-US" sz="1400" i="1" dirty="0">
               <a:solidFill>
                 <a:prstClr val="black"/>
               </a:solidFill>
@@ -3283,13 +3299,14 @@
           <p:cNvPr id="12" name="Straight Arrow Connector 11"/>
           <p:cNvCxnSpPr>
             <a:stCxn id="6" idx="4"/>
+            <a:endCxn id="7" idx="0"/>
           </p:cNvCxnSpPr>
           <p:nvPr/>
         </p:nvCxnSpPr>
         <p:spPr>
           <a:xfrm rot="16200000" flipH="1">
-            <a:off x="3843849" y="2075119"/>
-            <a:ext cx="685804" cy="465692"/>
+            <a:off x="4104710" y="843801"/>
+            <a:ext cx="196337" cy="1251454"/>
           </a:xfrm>
           <a:prstGeom prst="straightConnector1">
             <a:avLst/>
@@ -3319,13 +3336,16 @@
       <p:cxnSp>
         <p:nvCxnSpPr>
           <p:cNvPr id="14" name="Straight Arrow Connector 13"/>
-          <p:cNvCxnSpPr/>
+          <p:cNvCxnSpPr>
+            <a:stCxn id="7" idx="3"/>
+            <a:endCxn id="8" idx="0"/>
+          </p:cNvCxnSpPr>
           <p:nvPr/>
         </p:nvCxnSpPr>
         <p:spPr>
-          <a:xfrm rot="5400000">
-            <a:off x="4650225" y="4507469"/>
-            <a:ext cx="970003" cy="1588"/>
+          <a:xfrm rot="16200000" flipH="1">
+            <a:off x="4491924" y="2757966"/>
+            <a:ext cx="693005" cy="19642"/>
           </a:xfrm>
           <a:prstGeom prst="straightConnector1">
             <a:avLst/>
@@ -3363,8 +3383,8 @@
         </p:nvCxnSpPr>
         <p:spPr>
           <a:xfrm rot="5400000">
-            <a:off x="1663030" y="1866996"/>
-            <a:ext cx="685799" cy="881932"/>
+            <a:off x="1616067" y="1315271"/>
+            <a:ext cx="685799" cy="797977"/>
           </a:xfrm>
           <a:prstGeom prst="straightConnector1">
             <a:avLst/>
@@ -3399,8 +3419,8 @@
         </p:nvSpPr>
         <p:spPr>
           <a:xfrm>
-            <a:off x="3953905" y="2861101"/>
-            <a:ext cx="2169184" cy="646331"/>
+            <a:off x="4013213" y="4411418"/>
+            <a:ext cx="1636899" cy="523220"/>
           </a:xfrm>
           <a:prstGeom prst="rect">
             <a:avLst/>
@@ -3414,21 +3434,25 @@
           <a:lstStyle/>
           <a:p>
             <a:r>
-              <a:rPr lang="en-US" dirty="0" smtClean="0"/>
+              <a:rPr lang="en-US" sz="1400" dirty="0" smtClean="0"/>
               <a:t>          </a:t>
             </a:r>
             <a:r>
-              <a:rPr lang="en-US" dirty="0" err="1" smtClean="0"/>
-              <a:t>HashSet</a:t>
-            </a:r>
-            <a:endParaRPr lang="en-US" dirty="0" smtClean="0"/>
-          </a:p>
-          <a:p>
-            <a:r>
-              <a:rPr lang="en-US" i="1" dirty="0" smtClean="0"/>
-              <a:t>x100,000 = 22.13MB</a:t>
-            </a:r>
-            <a:endParaRPr lang="en-US" i="1" dirty="0"/>
+              <a:rPr lang="en-US" sz="1400" dirty="0" err="1" smtClean="0"/>
+              <a:t>ArrayList</a:t>
+            </a:r>
+            <a:endParaRPr lang="en-US" sz="1400" dirty="0" smtClean="0"/>
+          </a:p>
+          <a:p>
+            <a:r>
+              <a:rPr lang="en-US" sz="1400" i="1" dirty="0" smtClean="0"/>
+              <a:t>x400,000 =</a:t>
+            </a:r>
+            <a:r>
+              <a:rPr lang="en-US" sz="1400" i="1" dirty="0" smtClean="0"/>
+              <a:t> 30.5MB</a:t>
+            </a:r>
+            <a:endParaRPr lang="en-US" sz="1400" i="1" dirty="0"/>
           </a:p>
         </p:txBody>
       </p:sp>
@@ -3440,8 +3464,8 @@
         </p:nvSpPr>
         <p:spPr>
           <a:xfrm>
-            <a:off x="3953905" y="4993265"/>
-            <a:ext cx="1987380" cy="646331"/>
+            <a:off x="4055001" y="3114290"/>
+            <a:ext cx="1586492" cy="523220"/>
           </a:xfrm>
           <a:prstGeom prst="rect">
             <a:avLst/>
@@ -3455,20 +3479,24 @@
           <a:lstStyle/>
           <a:p>
             <a:r>
-              <a:rPr lang="en-US" dirty="0" smtClean="0"/>
+              <a:rPr lang="en-US" sz="1400" dirty="0" smtClean="0"/>
               <a:t>           Edge</a:t>
             </a:r>
           </a:p>
           <a:p>
             <a:r>
-              <a:rPr lang="en-US" i="1" dirty="0"/>
+              <a:rPr lang="en-US" sz="1400" i="1" dirty="0"/>
               <a:t>x</a:t>
             </a:r>
             <a:r>
-              <a:rPr lang="en-US" i="1" dirty="0" smtClean="0"/>
-              <a:t>400,000 = 6.1 MB</a:t>
-            </a:r>
-            <a:endParaRPr lang="en-US" i="1" dirty="0"/>
+              <a:rPr lang="en-US" sz="1400" i="1" dirty="0" smtClean="0"/>
+              <a:t>400,000 = </a:t>
+            </a:r>
+            <a:r>
+              <a:rPr lang="en-US" sz="1400" i="1" dirty="0" smtClean="0"/>
+              <a:t>6.1MB</a:t>
+            </a:r>
+            <a:endParaRPr lang="en-US" sz="1400" i="1" dirty="0"/>
           </a:p>
         </p:txBody>
       </p:sp>
@@ -3480,8 +3508,8 @@
         </p:nvSpPr>
         <p:spPr>
           <a:xfrm>
-            <a:off x="1219199" y="2861101"/>
-            <a:ext cx="691528" cy="369332"/>
+            <a:off x="1268872" y="2113508"/>
+            <a:ext cx="710451" cy="307777"/>
           </a:xfrm>
           <a:prstGeom prst="rect">
             <a:avLst/>
@@ -3495,10 +3523,10 @@
           <a:lstStyle/>
           <a:p>
             <a:r>
-              <a:rPr lang="en-US" dirty="0" smtClean="0"/>
-              <a:t>Node</a:t>
-            </a:r>
-            <a:endParaRPr lang="en-US" dirty="0"/>
+              <a:rPr lang="en-US" sz="1400" dirty="0" smtClean="0"/>
+              <a:t>Integer</a:t>
+            </a:r>
+            <a:endParaRPr lang="en-US" sz="1400" dirty="0"/>
           </a:p>
         </p:txBody>
       </p:sp>
@@ -3510,8 +3538,8 @@
         </p:nvSpPr>
         <p:spPr>
           <a:xfrm>
-            <a:off x="1984745" y="2161401"/>
-            <a:ext cx="944226" cy="369332"/>
+            <a:off x="1984745" y="1567697"/>
+            <a:ext cx="775435" cy="307777"/>
           </a:xfrm>
           <a:prstGeom prst="rect">
             <a:avLst/>
@@ -3525,10 +3553,10 @@
           <a:lstStyle/>
           <a:p>
             <a:r>
-              <a:rPr lang="en-US" dirty="0" smtClean="0"/>
+              <a:rPr lang="en-US" sz="1400" dirty="0" smtClean="0"/>
               <a:t>100,000</a:t>
             </a:r>
-            <a:endParaRPr lang="en-US" dirty="0"/>
+            <a:endParaRPr lang="en-US" sz="1400" dirty="0"/>
           </a:p>
         </p:txBody>
       </p:sp>
@@ -3540,8 +3568,8 @@
         </p:nvSpPr>
         <p:spPr>
           <a:xfrm>
-            <a:off x="4191000" y="1792069"/>
-            <a:ext cx="944226" cy="369332"/>
+            <a:off x="4076289" y="1106031"/>
+            <a:ext cx="775435" cy="307777"/>
           </a:xfrm>
           <a:prstGeom prst="rect">
             <a:avLst/>
@@ -3555,10 +3583,10 @@
           <a:lstStyle/>
           <a:p>
             <a:r>
-              <a:rPr lang="en-US" dirty="0" smtClean="0"/>
+              <a:rPr lang="en-US" sz="1400" dirty="0" smtClean="0"/>
               <a:t>100,000</a:t>
             </a:r>
-            <a:endParaRPr lang="en-US" dirty="0"/>
+            <a:endParaRPr lang="en-US" sz="1400" dirty="0"/>
           </a:p>
         </p:txBody>
       </p:sp>
@@ -3570,8 +3598,8 @@
         </p:nvSpPr>
         <p:spPr>
           <a:xfrm>
-            <a:off x="5259370" y="4023261"/>
-            <a:ext cx="301660" cy="369332"/>
+            <a:off x="4827811" y="2482840"/>
+            <a:ext cx="275661" cy="307777"/>
           </a:xfrm>
           <a:prstGeom prst="rect">
             <a:avLst/>
@@ -3585,10 +3613,10 @@
           <a:lstStyle/>
           <a:p>
             <a:r>
-              <a:rPr lang="en-US" dirty="0" smtClean="0"/>
+              <a:rPr lang="en-US" sz="1400" dirty="0" smtClean="0"/>
               <a:t>4</a:t>
             </a:r>
-            <a:endParaRPr lang="en-US" dirty="0"/>
+            <a:endParaRPr lang="en-US" sz="1400" dirty="0"/>
           </a:p>
         </p:txBody>
       </p:sp>
@@ -3600,8 +3628,8 @@
         </p:nvSpPr>
         <p:spPr>
           <a:xfrm>
-            <a:off x="6386650" y="3230433"/>
-            <a:ext cx="2564390" cy="338554"/>
+            <a:off x="6386650" y="1918659"/>
+            <a:ext cx="1906166" cy="276999"/>
           </a:xfrm>
           <a:prstGeom prst="rect">
             <a:avLst/>
@@ -3615,10 +3643,10 @@
           <a:lstStyle/>
           <a:p>
             <a:r>
-              <a:rPr lang="en-US" sz="1600" i="1" dirty="0" smtClean="0"/>
+              <a:rPr lang="en-US" sz="1200" i="1" dirty="0" smtClean="0"/>
               <a:t>23,200,000 bytes overhead</a:t>
             </a:r>
-            <a:endParaRPr lang="en-US" sz="1600" i="1" dirty="0"/>
+            <a:endParaRPr lang="en-US" sz="1200" i="1" dirty="0"/>
           </a:p>
         </p:txBody>
       </p:sp>
@@ -3630,8 +3658,8 @@
         </p:nvSpPr>
         <p:spPr>
           <a:xfrm>
-            <a:off x="6386650" y="5054820"/>
-            <a:ext cx="2376860" cy="584776"/>
+            <a:off x="6464646" y="3214621"/>
+            <a:ext cx="1828170" cy="276999"/>
           </a:xfrm>
           <a:prstGeom prst="rect">
             <a:avLst/>
@@ -3645,29 +3673,66 @@
           <a:lstStyle/>
           <a:p>
             <a:r>
-              <a:rPr lang="en-US" sz="1600" i="1" dirty="0" smtClean="0"/>
-              <a:t>3,200,000 bytes data</a:t>
-            </a:r>
-          </a:p>
-          <a:p>
-            <a:r>
-              <a:rPr lang="en-US" sz="1600" i="1" dirty="0" smtClean="0"/>
-              <a:t>3,200,000 bytes overhead</a:t>
-            </a:r>
-            <a:endParaRPr lang="en-US" sz="1600" i="1" dirty="0"/>
-          </a:p>
-        </p:txBody>
-      </p:sp>
-      <p:sp>
-        <p:nvSpPr>
-          <p:cNvPr id="42" name="TextBox 41"/>
+              <a:rPr lang="en-US" sz="1200" i="1" dirty="0" smtClean="0"/>
+              <a:t>6,400,000 bytes overhead</a:t>
+            </a:r>
+          </a:p>
+        </p:txBody>
+      </p:sp>
+      <p:sp>
+        <p:nvSpPr>
+          <p:cNvPr id="27" name="Regular Pentagon 26"/>
+          <p:cNvSpPr/>
+          <p:nvPr/>
+        </p:nvSpPr>
+        <p:spPr>
+          <a:xfrm>
+            <a:off x="3817198" y="4165432"/>
+            <a:ext cx="2022813" cy="1038999"/>
+          </a:xfrm>
+          <a:prstGeom prst="pentagon">
+            <a:avLst/>
+          </a:prstGeom>
+          <a:noFill/>
+          <a:ln>
+            <a:solidFill>
+              <a:schemeClr val="tx1"/>
+            </a:solidFill>
+          </a:ln>
+        </p:spPr>
+        <p:style>
+          <a:lnRef idx="1">
+            <a:schemeClr val="accent1"/>
+          </a:lnRef>
+          <a:fillRef idx="3">
+            <a:schemeClr val="accent1"/>
+          </a:fillRef>
+          <a:effectRef idx="2">
+            <a:schemeClr val="accent1"/>
+          </a:effectRef>
+          <a:fontRef idx="minor">
+            <a:schemeClr val="lt1"/>
+          </a:fontRef>
+        </p:style>
+        <p:txBody>
+          <a:bodyPr rtlCol="0" anchor="ctr"/>
+          <a:lstStyle/>
+          <a:p>
+            <a:pPr algn="ctr"/>
+            <a:endParaRPr lang="en-US" sz="1400"/>
+          </a:p>
+        </p:txBody>
+      </p:sp>
+      <p:sp>
+        <p:nvSpPr>
+          <p:cNvPr id="33" name="TextBox 32"/>
           <p:cNvSpPr txBox="1"/>
           <p:nvPr/>
         </p:nvSpPr>
         <p:spPr>
           <a:xfrm>
-            <a:off x="5832813" y="6096000"/>
-            <a:ext cx="2930697" cy="338554"/>
+            <a:off x="4055001" y="1672438"/>
+            <a:ext cx="1745878" cy="523220"/>
           </a:xfrm>
           <a:prstGeom prst="rect">
             <a:avLst/>
@@ -3681,18 +3746,346 @@
           <a:lstStyle/>
           <a:p>
             <a:r>
-              <a:rPr lang="en-US" sz="1600" i="1" dirty="0" smtClean="0"/>
-              <a:t>Total </a:t>
-            </a:r>
-            <a:r>
-              <a:rPr lang="en-US" sz="1600" i="1" dirty="0" err="1" smtClean="0"/>
+              <a:rPr lang="en-US" sz="1400" dirty="0" smtClean="0"/>
+              <a:t>         </a:t>
+            </a:r>
+            <a:r>
+              <a:rPr lang="en-US" sz="1400" dirty="0" err="1" smtClean="0"/>
               <a:t>HashSet</a:t>
             </a:r>
-            <a:r>
-              <a:rPr lang="en-US" sz="1600" i="1" dirty="0" smtClean="0"/>
-              <a:t> bloat factor = 89%</a:t>
-            </a:r>
-            <a:endParaRPr lang="en-US" sz="1600" i="1" dirty="0"/>
+            <a:endParaRPr lang="en-US" sz="1400" dirty="0" smtClean="0"/>
+          </a:p>
+          <a:p>
+            <a:r>
+              <a:rPr lang="en-US" sz="1400" i="1" dirty="0" smtClean="0"/>
+              <a:t>X100,000 = 22.22MB</a:t>
+            </a:r>
+            <a:endParaRPr lang="en-US" sz="1400" i="1" dirty="0"/>
+          </a:p>
+        </p:txBody>
+      </p:sp>
+      <p:cxnSp>
+        <p:nvCxnSpPr>
+          <p:cNvPr id="23" name="Straight Arrow Connector 22"/>
+          <p:cNvCxnSpPr>
+            <a:stCxn id="8" idx="2"/>
+          </p:cNvCxnSpPr>
+          <p:nvPr/>
+        </p:nvCxnSpPr>
+        <p:spPr>
+          <a:xfrm rot="16200000" flipH="1">
+            <a:off x="4620472" y="3935769"/>
+            <a:ext cx="457438" cy="1888"/>
+          </a:xfrm>
+          <a:prstGeom prst="straightConnector1">
+            <a:avLst/>
+          </a:prstGeom>
+          <a:ln>
+            <a:solidFill>
+              <a:schemeClr val="tx1"/>
+            </a:solidFill>
+            <a:tailEnd type="arrow"/>
+          </a:ln>
+        </p:spPr>
+        <p:style>
+          <a:lnRef idx="2">
+            <a:schemeClr val="accent1"/>
+          </a:lnRef>
+          <a:fillRef idx="0">
+            <a:schemeClr val="accent1"/>
+          </a:fillRef>
+          <a:effectRef idx="1">
+            <a:schemeClr val="accent1"/>
+          </a:effectRef>
+          <a:fontRef idx="minor">
+            <a:schemeClr val="tx1"/>
+          </a:fontRef>
+        </p:style>
+      </p:cxnSp>
+      <p:sp>
+        <p:nvSpPr>
+          <p:cNvPr id="26" name="TextBox 25"/>
+          <p:cNvSpPr txBox="1"/>
+          <p:nvPr/>
+        </p:nvSpPr>
+        <p:spPr>
+          <a:xfrm>
+            <a:off x="4851724" y="3707994"/>
+            <a:ext cx="301660" cy="369332"/>
+          </a:xfrm>
+          <a:prstGeom prst="rect">
+            <a:avLst/>
+          </a:prstGeom>
+          <a:noFill/>
+        </p:spPr>
+        <p:txBody>
+          <a:bodyPr wrap="none" rtlCol="0">
+            <a:spAutoFit/>
+          </a:bodyPr>
+          <a:lstStyle/>
+          <a:p>
+            <a:r>
+              <a:rPr lang="en-US" dirty="0" smtClean="0"/>
+              <a:t>1</a:t>
+            </a:r>
+            <a:endParaRPr lang="en-US" dirty="0"/>
+          </a:p>
+        </p:txBody>
+      </p:sp>
+      <p:sp>
+        <p:nvSpPr>
+          <p:cNvPr id="47" name="TextBox 46"/>
+          <p:cNvSpPr txBox="1"/>
+          <p:nvPr/>
+        </p:nvSpPr>
+        <p:spPr>
+          <a:xfrm>
+            <a:off x="4055001" y="5688265"/>
+            <a:ext cx="1667218" cy="523220"/>
+          </a:xfrm>
+          <a:prstGeom prst="rect">
+            <a:avLst/>
+          </a:prstGeom>
+          <a:noFill/>
+        </p:spPr>
+        <p:txBody>
+          <a:bodyPr wrap="none" rtlCol="0">
+            <a:spAutoFit/>
+          </a:bodyPr>
+          <a:lstStyle/>
+          <a:p>
+            <a:r>
+              <a:rPr lang="en-US" sz="1400" dirty="0" smtClean="0"/>
+              <a:t>           Integer</a:t>
+            </a:r>
+          </a:p>
+          <a:p>
+            <a:r>
+              <a:rPr lang="en-US" sz="1400" dirty="0" smtClean="0"/>
+              <a:t> x</a:t>
+            </a:r>
+            <a:r>
+              <a:rPr lang="en-US" sz="1400" i="1" dirty="0" smtClean="0"/>
+              <a:t>800,000 =</a:t>
+            </a:r>
+            <a:r>
+              <a:rPr lang="en-US" sz="1400" i="1" dirty="0" smtClean="0"/>
+              <a:t> 3.05MB</a:t>
+            </a:r>
+            <a:endParaRPr lang="en-US" sz="1400" i="1" dirty="0"/>
+          </a:p>
+        </p:txBody>
+      </p:sp>
+      <p:sp>
+        <p:nvSpPr>
+          <p:cNvPr id="49" name="Rectangle 48"/>
+          <p:cNvSpPr/>
+          <p:nvPr/>
+        </p:nvSpPr>
+        <p:spPr>
+          <a:xfrm>
+            <a:off x="4034565" y="5688265"/>
+            <a:ext cx="1586492" cy="593704"/>
+          </a:xfrm>
+          <a:prstGeom prst="rect">
+            <a:avLst/>
+          </a:prstGeom>
+          <a:noFill/>
+          <a:ln>
+            <a:solidFill>
+              <a:schemeClr val="tx1"/>
+            </a:solidFill>
+          </a:ln>
+        </p:spPr>
+        <p:style>
+          <a:lnRef idx="1">
+            <a:schemeClr val="accent1"/>
+          </a:lnRef>
+          <a:fillRef idx="3">
+            <a:schemeClr val="accent1"/>
+          </a:fillRef>
+          <a:effectRef idx="2">
+            <a:schemeClr val="accent1"/>
+          </a:effectRef>
+          <a:fontRef idx="minor">
+            <a:schemeClr val="lt1"/>
+          </a:fontRef>
+        </p:style>
+        <p:txBody>
+          <a:bodyPr rtlCol="0" anchor="ctr"/>
+          <a:lstStyle/>
+          <a:p>
+            <a:pPr algn="ctr"/>
+            <a:endParaRPr lang="en-US" sz="1400"/>
+          </a:p>
+        </p:txBody>
+      </p:sp>
+      <p:cxnSp>
+        <p:nvCxnSpPr>
+          <p:cNvPr id="51" name="Straight Arrow Connector 50"/>
+          <p:cNvCxnSpPr>
+            <a:stCxn id="27" idx="3"/>
+            <a:endCxn id="49" idx="0"/>
+          </p:cNvCxnSpPr>
+          <p:nvPr/>
+        </p:nvCxnSpPr>
+        <p:spPr>
+          <a:xfrm rot="5400000">
+            <a:off x="4586291" y="5445951"/>
+            <a:ext cx="483834" cy="794"/>
+          </a:xfrm>
+          <a:prstGeom prst="straightConnector1">
+            <a:avLst/>
+          </a:prstGeom>
+          <a:ln>
+            <a:solidFill>
+              <a:schemeClr val="tx1"/>
+            </a:solidFill>
+            <a:tailEnd type="arrow"/>
+          </a:ln>
+        </p:spPr>
+        <p:style>
+          <a:lnRef idx="2">
+            <a:schemeClr val="accent1"/>
+          </a:lnRef>
+          <a:fillRef idx="0">
+            <a:schemeClr val="accent1"/>
+          </a:fillRef>
+          <a:effectRef idx="1">
+            <a:schemeClr val="accent1"/>
+          </a:effectRef>
+          <a:fontRef idx="minor">
+            <a:schemeClr val="tx1"/>
+          </a:fontRef>
+        </p:style>
+      </p:cxnSp>
+      <p:sp>
+        <p:nvSpPr>
+          <p:cNvPr id="52" name="TextBox 51"/>
+          <p:cNvSpPr txBox="1"/>
+          <p:nvPr/>
+        </p:nvSpPr>
+        <p:spPr>
+          <a:xfrm>
+            <a:off x="4902183" y="5204431"/>
+            <a:ext cx="402578" cy="369332"/>
+          </a:xfrm>
+          <a:prstGeom prst="rect">
+            <a:avLst/>
+          </a:prstGeom>
+          <a:noFill/>
+        </p:spPr>
+        <p:txBody>
+          <a:bodyPr wrap="square" rtlCol="0">
+            <a:spAutoFit/>
+          </a:bodyPr>
+          <a:lstStyle/>
+          <a:p>
+            <a:r>
+              <a:rPr lang="en-US" dirty="0" smtClean="0"/>
+              <a:t>2</a:t>
+            </a:r>
+            <a:endParaRPr lang="en-US" dirty="0"/>
+          </a:p>
+        </p:txBody>
+      </p:sp>
+      <p:sp>
+        <p:nvSpPr>
+          <p:cNvPr id="30" name="TextBox 29"/>
+          <p:cNvSpPr txBox="1"/>
+          <p:nvPr/>
+        </p:nvSpPr>
+        <p:spPr>
+          <a:xfrm>
+            <a:off x="6464646" y="4433500"/>
+            <a:ext cx="1906166" cy="276999"/>
+          </a:xfrm>
+          <a:prstGeom prst="rect">
+            <a:avLst/>
+          </a:prstGeom>
+          <a:noFill/>
+        </p:spPr>
+        <p:txBody>
+          <a:bodyPr wrap="none" rtlCol="0">
+            <a:spAutoFit/>
+          </a:bodyPr>
+          <a:lstStyle/>
+          <a:p>
+            <a:r>
+              <a:rPr lang="en-US" sz="1200" i="1" dirty="0" smtClean="0"/>
+              <a:t>32,000,000 bytes overhead</a:t>
+            </a:r>
+            <a:endParaRPr lang="en-US" sz="1200" i="1" dirty="0"/>
+          </a:p>
+        </p:txBody>
+      </p:sp>
+      <p:sp>
+        <p:nvSpPr>
+          <p:cNvPr id="31" name="TextBox 30"/>
+          <p:cNvSpPr txBox="1"/>
+          <p:nvPr/>
+        </p:nvSpPr>
+        <p:spPr>
+          <a:xfrm>
+            <a:off x="6464646" y="5573763"/>
+            <a:ext cx="1828620" cy="461665"/>
+          </a:xfrm>
+          <a:prstGeom prst="rect">
+            <a:avLst/>
+          </a:prstGeom>
+          <a:noFill/>
+        </p:spPr>
+        <p:txBody>
+          <a:bodyPr wrap="none" rtlCol="0">
+            <a:spAutoFit/>
+          </a:bodyPr>
+          <a:lstStyle/>
+          <a:p>
+            <a:r>
+              <a:rPr lang="en-US" sz="1200" i="1" dirty="0" smtClean="0"/>
+              <a:t>1,600,000 bytes data</a:t>
+            </a:r>
+          </a:p>
+          <a:p>
+            <a:r>
+              <a:rPr lang="en-US" sz="1200" i="1" dirty="0" smtClean="0"/>
+              <a:t>1.600,000 bytes overhead</a:t>
+            </a:r>
+            <a:endParaRPr lang="en-US" sz="1200" i="1" dirty="0"/>
+          </a:p>
+        </p:txBody>
+      </p:sp>
+      <p:sp>
+        <p:nvSpPr>
+          <p:cNvPr id="32" name="TextBox 31"/>
+          <p:cNvSpPr txBox="1"/>
+          <p:nvPr/>
+        </p:nvSpPr>
+        <p:spPr>
+          <a:xfrm>
+            <a:off x="914400" y="4411418"/>
+            <a:ext cx="2020755" cy="276999"/>
+          </a:xfrm>
+          <a:prstGeom prst="rect">
+            <a:avLst/>
+          </a:prstGeom>
+          <a:noFill/>
+        </p:spPr>
+        <p:txBody>
+          <a:bodyPr wrap="none" rtlCol="0">
+            <a:spAutoFit/>
+          </a:bodyPr>
+          <a:lstStyle/>
+          <a:p>
+            <a:r>
+              <a:rPr lang="en-US" sz="1200" i="1" dirty="0" err="1" smtClean="0"/>
+              <a:t>HashSet</a:t>
+            </a:r>
+            <a:r>
+              <a:rPr lang="en-US" sz="1200" i="1" dirty="0" smtClean="0"/>
+              <a:t> bloat factor = 97.5%</a:t>
+            </a:r>
+            <a:endParaRPr lang="en-US" sz="1200" i="1" dirty="0"/>
           </a:p>
         </p:txBody>
       </p:sp>

--- a/part3/Figures/graph-hashset.pptx
+++ b/part3/Figures/graph-hashset.pptx
@@ -289,7 +289,7 @@
             <a:fld id="{937E53BE-4F8D-4A46-AEB3-F2DF64371628}" type="datetimeFigureOut">
               <a:rPr lang="en-US" smtClean="0"/>
               <a:pPr/>
-              <a:t>4/20/10</a:t>
+              <a:t>5/4/10</a:t>
             </a:fld>
             <a:endParaRPr lang="en-US"/>
           </a:p>
@@ -456,7 +456,7 @@
             <a:fld id="{937E53BE-4F8D-4A46-AEB3-F2DF64371628}" type="datetimeFigureOut">
               <a:rPr lang="en-US" smtClean="0"/>
               <a:pPr/>
-              <a:t>4/20/10</a:t>
+              <a:t>5/4/10</a:t>
             </a:fld>
             <a:endParaRPr lang="en-US"/>
           </a:p>
@@ -633,7 +633,7 @@
             <a:fld id="{937E53BE-4F8D-4A46-AEB3-F2DF64371628}" type="datetimeFigureOut">
               <a:rPr lang="en-US" smtClean="0"/>
               <a:pPr/>
-              <a:t>4/20/10</a:t>
+              <a:t>5/4/10</a:t>
             </a:fld>
             <a:endParaRPr lang="en-US"/>
           </a:p>
@@ -800,7 +800,7 @@
             <a:fld id="{937E53BE-4F8D-4A46-AEB3-F2DF64371628}" type="datetimeFigureOut">
               <a:rPr lang="en-US" smtClean="0"/>
               <a:pPr/>
-              <a:t>4/20/10</a:t>
+              <a:t>5/4/10</a:t>
             </a:fld>
             <a:endParaRPr lang="en-US"/>
           </a:p>
@@ -1043,7 +1043,7 @@
             <a:fld id="{937E53BE-4F8D-4A46-AEB3-F2DF64371628}" type="datetimeFigureOut">
               <a:rPr lang="en-US" smtClean="0"/>
               <a:pPr/>
-              <a:t>4/20/10</a:t>
+              <a:t>5/4/10</a:t>
             </a:fld>
             <a:endParaRPr lang="en-US"/>
           </a:p>
@@ -1328,7 +1328,7 @@
             <a:fld id="{937E53BE-4F8D-4A46-AEB3-F2DF64371628}" type="datetimeFigureOut">
               <a:rPr lang="en-US" smtClean="0"/>
               <a:pPr/>
-              <a:t>4/20/10</a:t>
+              <a:t>5/4/10</a:t>
             </a:fld>
             <a:endParaRPr lang="en-US"/>
           </a:p>
@@ -1747,7 +1747,7 @@
             <a:fld id="{937E53BE-4F8D-4A46-AEB3-F2DF64371628}" type="datetimeFigureOut">
               <a:rPr lang="en-US" smtClean="0"/>
               <a:pPr/>
-              <a:t>4/20/10</a:t>
+              <a:t>5/4/10</a:t>
             </a:fld>
             <a:endParaRPr lang="en-US"/>
           </a:p>
@@ -1862,7 +1862,7 @@
             <a:fld id="{937E53BE-4F8D-4A46-AEB3-F2DF64371628}" type="datetimeFigureOut">
               <a:rPr lang="en-US" smtClean="0"/>
               <a:pPr/>
-              <a:t>4/20/10</a:t>
+              <a:t>5/4/10</a:t>
             </a:fld>
             <a:endParaRPr lang="en-US"/>
           </a:p>
@@ -1954,7 +1954,7 @@
             <a:fld id="{937E53BE-4F8D-4A46-AEB3-F2DF64371628}" type="datetimeFigureOut">
               <a:rPr lang="en-US" smtClean="0"/>
               <a:pPr/>
-              <a:t>4/20/10</a:t>
+              <a:t>5/4/10</a:t>
             </a:fld>
             <a:endParaRPr lang="en-US"/>
           </a:p>
@@ -2228,7 +2228,7 @@
             <a:fld id="{937E53BE-4F8D-4A46-AEB3-F2DF64371628}" type="datetimeFigureOut">
               <a:rPr lang="en-US" smtClean="0"/>
               <a:pPr/>
-              <a:t>4/20/10</a:t>
+              <a:t>5/4/10</a:t>
             </a:fld>
             <a:endParaRPr lang="en-US"/>
           </a:p>
@@ -2478,7 +2478,7 @@
             <a:fld id="{937E53BE-4F8D-4A46-AEB3-F2DF64371628}" type="datetimeFigureOut">
               <a:rPr lang="en-US" smtClean="0"/>
               <a:pPr/>
-              <a:t>4/20/10</a:t>
+              <a:t>5/4/10</a:t>
             </a:fld>
             <a:endParaRPr lang="en-US"/>
           </a:p>
@@ -2688,7 +2688,7 @@
             <a:fld id="{937E53BE-4F8D-4A46-AEB3-F2DF64371628}" type="datetimeFigureOut">
               <a:rPr lang="en-US" smtClean="0"/>
               <a:pPr/>
-              <a:t>4/20/10</a:t>
+              <a:t>5/4/10</a:t>
             </a:fld>
             <a:endParaRPr lang="en-US"/>
           </a:p>
@@ -3446,11 +3446,7 @@
           <a:p>
             <a:r>
               <a:rPr lang="en-US" sz="1400" i="1" dirty="0" smtClean="0"/>
-              <a:t>x400,000 =</a:t>
-            </a:r>
-            <a:r>
-              <a:rPr lang="en-US" sz="1400" i="1" dirty="0" smtClean="0"/>
-              <a:t> 30.5MB</a:t>
+              <a:t>x400,000 = 30.5MB</a:t>
             </a:r>
             <a:endParaRPr lang="en-US" sz="1400" i="1" dirty="0"/>
           </a:p>
@@ -3490,11 +3486,7 @@
             </a:r>
             <a:r>
               <a:rPr lang="en-US" sz="1400" i="1" dirty="0" smtClean="0"/>
-              <a:t>400,000 = </a:t>
-            </a:r>
-            <a:r>
-              <a:rPr lang="en-US" sz="1400" i="1" dirty="0" smtClean="0"/>
-              <a:t>6.1MB</a:t>
+              <a:t>400,000 = 6.1MB</a:t>
             </a:r>
             <a:endParaRPr lang="en-US" sz="1400" i="1" dirty="0"/>
           </a:p>
@@ -3866,11 +3858,7 @@
             </a:r>
             <a:r>
               <a:rPr lang="en-US" sz="1400" i="1" dirty="0" smtClean="0"/>
-              <a:t>800,000 =</a:t>
-            </a:r>
-            <a:r>
-              <a:rPr lang="en-US" sz="1400" i="1" dirty="0" smtClean="0"/>
-              <a:t> 3.05MB</a:t>
+              <a:t>800,000 = 3.05MB</a:t>
             </a:r>
             <a:endParaRPr lang="en-US" sz="1400" i="1" dirty="0"/>
           </a:p>
@@ -4064,7 +4052,7 @@
         <p:spPr>
           <a:xfrm>
             <a:off x="914400" y="4411418"/>
-            <a:ext cx="2020755" cy="276999"/>
+            <a:ext cx="2020755" cy="461665"/>
           </a:xfrm>
           <a:prstGeom prst="rect">
             <a:avLst/>
@@ -4083,7 +4071,21 @@
             </a:r>
             <a:r>
               <a:rPr lang="en-US" sz="1200" i="1" dirty="0" smtClean="0"/>
-              <a:t> bloat factor = 97.5%</a:t>
+              <a:t> total size = 61.87MB</a:t>
+            </a:r>
+          </a:p>
+          <a:p>
+            <a:r>
+              <a:rPr lang="en-US" sz="1200" i="1" dirty="0" err="1" smtClean="0"/>
+              <a:t>HashSet</a:t>
+            </a:r>
+            <a:r>
+              <a:rPr lang="en-US" sz="1200" i="1" dirty="0" smtClean="0"/>
+              <a:t> </a:t>
+            </a:r>
+            <a:r>
+              <a:rPr lang="en-US" sz="1200" i="1" dirty="0" smtClean="0"/>
+              <a:t>bloat factor = 97.5%</a:t>
             </a:r>
             <a:endParaRPr lang="en-US" sz="1200" i="1" dirty="0"/>
           </a:p>

--- a/part3/Figures/graph-hashset.pptx
+++ b/part3/Figures/graph-hashset.pptx
@@ -289,7 +289,7 @@
             <a:fld id="{937E53BE-4F8D-4A46-AEB3-F2DF64371628}" type="datetimeFigureOut">
               <a:rPr lang="en-US" smtClean="0"/>
               <a:pPr/>
-              <a:t>5/4/10</a:t>
+              <a:t>8/19/10</a:t>
             </a:fld>
             <a:endParaRPr lang="en-US"/>
           </a:p>
@@ -456,7 +456,7 @@
             <a:fld id="{937E53BE-4F8D-4A46-AEB3-F2DF64371628}" type="datetimeFigureOut">
               <a:rPr lang="en-US" smtClean="0"/>
               <a:pPr/>
-              <a:t>5/4/10</a:t>
+              <a:t>8/19/10</a:t>
             </a:fld>
             <a:endParaRPr lang="en-US"/>
           </a:p>
@@ -633,7 +633,7 @@
             <a:fld id="{937E53BE-4F8D-4A46-AEB3-F2DF64371628}" type="datetimeFigureOut">
               <a:rPr lang="en-US" smtClean="0"/>
               <a:pPr/>
-              <a:t>5/4/10</a:t>
+              <a:t>8/19/10</a:t>
             </a:fld>
             <a:endParaRPr lang="en-US"/>
           </a:p>
@@ -800,7 +800,7 @@
             <a:fld id="{937E53BE-4F8D-4A46-AEB3-F2DF64371628}" type="datetimeFigureOut">
               <a:rPr lang="en-US" smtClean="0"/>
               <a:pPr/>
-              <a:t>5/4/10</a:t>
+              <a:t>8/19/10</a:t>
             </a:fld>
             <a:endParaRPr lang="en-US"/>
           </a:p>
@@ -1043,7 +1043,7 @@
             <a:fld id="{937E53BE-4F8D-4A46-AEB3-F2DF64371628}" type="datetimeFigureOut">
               <a:rPr lang="en-US" smtClean="0"/>
               <a:pPr/>
-              <a:t>5/4/10</a:t>
+              <a:t>8/19/10</a:t>
             </a:fld>
             <a:endParaRPr lang="en-US"/>
           </a:p>
@@ -1328,7 +1328,7 @@
             <a:fld id="{937E53BE-4F8D-4A46-AEB3-F2DF64371628}" type="datetimeFigureOut">
               <a:rPr lang="en-US" smtClean="0"/>
               <a:pPr/>
-              <a:t>5/4/10</a:t>
+              <a:t>8/19/10</a:t>
             </a:fld>
             <a:endParaRPr lang="en-US"/>
           </a:p>
@@ -1747,7 +1747,7 @@
             <a:fld id="{937E53BE-4F8D-4A46-AEB3-F2DF64371628}" type="datetimeFigureOut">
               <a:rPr lang="en-US" smtClean="0"/>
               <a:pPr/>
-              <a:t>5/4/10</a:t>
+              <a:t>8/19/10</a:t>
             </a:fld>
             <a:endParaRPr lang="en-US"/>
           </a:p>
@@ -1862,7 +1862,7 @@
             <a:fld id="{937E53BE-4F8D-4A46-AEB3-F2DF64371628}" type="datetimeFigureOut">
               <a:rPr lang="en-US" smtClean="0"/>
               <a:pPr/>
-              <a:t>5/4/10</a:t>
+              <a:t>8/19/10</a:t>
             </a:fld>
             <a:endParaRPr lang="en-US"/>
           </a:p>
@@ -1954,7 +1954,7 @@
             <a:fld id="{937E53BE-4F8D-4A46-AEB3-F2DF64371628}" type="datetimeFigureOut">
               <a:rPr lang="en-US" smtClean="0"/>
               <a:pPr/>
-              <a:t>5/4/10</a:t>
+              <a:t>8/19/10</a:t>
             </a:fld>
             <a:endParaRPr lang="en-US"/>
           </a:p>
@@ -2228,7 +2228,7 @@
             <a:fld id="{937E53BE-4F8D-4A46-AEB3-F2DF64371628}" type="datetimeFigureOut">
               <a:rPr lang="en-US" smtClean="0"/>
               <a:pPr/>
-              <a:t>5/4/10</a:t>
+              <a:t>8/19/10</a:t>
             </a:fld>
             <a:endParaRPr lang="en-US"/>
           </a:p>
@@ -2478,7 +2478,7 @@
             <a:fld id="{937E53BE-4F8D-4A46-AEB3-F2DF64371628}" type="datetimeFigureOut">
               <a:rPr lang="en-US" smtClean="0"/>
               <a:pPr/>
-              <a:t>5/4/10</a:t>
+              <a:t>8/19/10</a:t>
             </a:fld>
             <a:endParaRPr lang="en-US"/>
           </a:p>
@@ -2688,7 +2688,7 @@
             <a:fld id="{937E53BE-4F8D-4A46-AEB3-F2DF64371628}" type="datetimeFigureOut">
               <a:rPr lang="en-US" smtClean="0"/>
               <a:pPr/>
-              <a:t>5/4/10</a:t>
+              <a:t>8/19/10</a:t>
             </a:fld>
             <a:endParaRPr lang="en-US"/>
           </a:p>
@@ -3115,8 +3115,8 @@
         </p:nvSpPr>
         <p:spPr>
           <a:xfrm>
-            <a:off x="3817198" y="1567697"/>
-            <a:ext cx="2022813" cy="853588"/>
+            <a:off x="3696381" y="1567696"/>
+            <a:ext cx="2262860" cy="853588"/>
           </a:xfrm>
           <a:prstGeom prst="pentagon">
             <a:avLst/>
@@ -3159,8 +3159,8 @@
         </p:nvSpPr>
         <p:spPr>
           <a:xfrm>
-            <a:off x="4055001" y="3114290"/>
-            <a:ext cx="1586492" cy="593704"/>
+            <a:off x="3977449" y="3114289"/>
+            <a:ext cx="1785010" cy="593704"/>
           </a:xfrm>
           <a:prstGeom prst="rect">
             <a:avLst/>
@@ -3305,8 +3305,8 @@
         </p:nvCxnSpPr>
         <p:spPr>
           <a:xfrm rot="16200000" flipH="1">
-            <a:off x="4104710" y="843801"/>
-            <a:ext cx="196337" cy="1251454"/>
+            <a:off x="4104313" y="844198"/>
+            <a:ext cx="196336" cy="1250660"/>
           </a:xfrm>
           <a:prstGeom prst="straightConnector1">
             <a:avLst/>
@@ -3344,8 +3344,8 @@
         </p:nvCxnSpPr>
         <p:spPr>
           <a:xfrm rot="16200000" flipH="1">
-            <a:off x="4491924" y="2757966"/>
-            <a:ext cx="693005" cy="19642"/>
+            <a:off x="4502380" y="2746714"/>
+            <a:ext cx="693005" cy="42143"/>
           </a:xfrm>
           <a:prstGeom prst="straightConnector1">
             <a:avLst/>
@@ -3420,7 +3420,7 @@
         <p:spPr>
           <a:xfrm>
             <a:off x="4013213" y="4411418"/>
-            <a:ext cx="1636899" cy="523220"/>
+            <a:ext cx="1818890" cy="523220"/>
           </a:xfrm>
           <a:prstGeom prst="rect">
             <a:avLst/>
@@ -3446,7 +3446,11 @@
           <a:p>
             <a:r>
               <a:rPr lang="en-US" sz="1400" i="1" dirty="0" smtClean="0"/>
-              <a:t>x400,000 = 30.5MB</a:t>
+              <a:t>x400,000 = </a:t>
+            </a:r>
+            <a:r>
+              <a:rPr lang="en-US" sz="1400" i="1" dirty="0" smtClean="0"/>
+              <a:t>30.517MB</a:t>
             </a:r>
             <a:endParaRPr lang="en-US" sz="1400" i="1" dirty="0"/>
           </a:p>
@@ -3460,8 +3464,8 @@
         </p:nvSpPr>
         <p:spPr>
           <a:xfrm>
-            <a:off x="4055001" y="3114290"/>
-            <a:ext cx="1586492" cy="523220"/>
+            <a:off x="4034565" y="3114290"/>
+            <a:ext cx="1727894" cy="523220"/>
           </a:xfrm>
           <a:prstGeom prst="rect">
             <a:avLst/>
@@ -3486,7 +3490,11 @@
             </a:r>
             <a:r>
               <a:rPr lang="en-US" sz="1400" i="1" dirty="0" smtClean="0"/>
-              <a:t>400,000 = 6.1MB</a:t>
+              <a:t>400,000 = </a:t>
+            </a:r>
+            <a:r>
+              <a:rPr lang="en-US" sz="1400" i="1" dirty="0" smtClean="0"/>
+              <a:t>6.103MB</a:t>
             </a:r>
             <a:endParaRPr lang="en-US" sz="1400" i="1" dirty="0"/>
           </a:p>
@@ -3679,8 +3687,8 @@
         </p:nvSpPr>
         <p:spPr>
           <a:xfrm>
-            <a:off x="3817198" y="4165432"/>
-            <a:ext cx="2022813" cy="1038999"/>
+            <a:off x="3817198" y="4077328"/>
+            <a:ext cx="2142043" cy="1127103"/>
           </a:xfrm>
           <a:prstGeom prst="pentagon">
             <a:avLst/>
@@ -3723,8 +3731,8 @@
         </p:nvSpPr>
         <p:spPr>
           <a:xfrm>
-            <a:off x="4055001" y="1672438"/>
-            <a:ext cx="1745878" cy="523220"/>
+            <a:off x="3953905" y="1795549"/>
+            <a:ext cx="1836873" cy="523220"/>
           </a:xfrm>
           <a:prstGeom prst="rect">
             <a:avLst/>
@@ -3750,7 +3758,11 @@
           <a:p>
             <a:r>
               <a:rPr lang="en-US" sz="1400" i="1" dirty="0" smtClean="0"/>
-              <a:t>X100,000 = 22.22MB</a:t>
+              <a:t>X100,000 = </a:t>
+            </a:r>
+            <a:r>
+              <a:rPr lang="en-US" sz="1400" i="1" dirty="0" smtClean="0"/>
+              <a:t>22.125MB</a:t>
             </a:r>
             <a:endParaRPr lang="en-US" sz="1400" i="1" dirty="0"/>
           </a:p>
@@ -3761,13 +3773,14 @@
           <p:cNvPr id="23" name="Straight Arrow Connector 22"/>
           <p:cNvCxnSpPr>
             <a:stCxn id="8" idx="2"/>
+            <a:endCxn id="27" idx="0"/>
           </p:cNvCxnSpPr>
           <p:nvPr/>
         </p:nvCxnSpPr>
         <p:spPr>
           <a:xfrm rot="16200000" flipH="1">
-            <a:off x="4620472" y="3935769"/>
-            <a:ext cx="457438" cy="1888"/>
+            <a:off x="4694420" y="3883527"/>
+            <a:ext cx="369335" cy="18266"/>
           </a:xfrm>
           <a:prstGeom prst="straightConnector1">
             <a:avLst/>
@@ -3802,7 +3815,7 @@
         </p:nvSpPr>
         <p:spPr>
           <a:xfrm>
-            <a:off x="4851724" y="3707994"/>
+            <a:off x="4902183" y="3637510"/>
             <a:ext cx="301660" cy="369332"/>
           </a:xfrm>
           <a:prstGeom prst="rect">
@@ -3832,8 +3845,8 @@
         </p:nvSpPr>
         <p:spPr>
           <a:xfrm>
-            <a:off x="4055001" y="5688265"/>
-            <a:ext cx="1667218" cy="523220"/>
+            <a:off x="3927119" y="5688265"/>
+            <a:ext cx="1849209" cy="523220"/>
           </a:xfrm>
           <a:prstGeom prst="rect">
             <a:avLst/>
@@ -3858,7 +3871,11 @@
             </a:r>
             <a:r>
               <a:rPr lang="en-US" sz="1400" i="1" dirty="0" smtClean="0"/>
-              <a:t>800,000 = 3.05MB</a:t>
+              <a:t>800,000 =</a:t>
+            </a:r>
+            <a:r>
+              <a:rPr lang="en-US" sz="1400" i="1" dirty="0" smtClean="0"/>
+              <a:t> 12.207MB</a:t>
             </a:r>
             <a:endParaRPr lang="en-US" sz="1400" i="1" dirty="0"/>
           </a:p>
@@ -3872,8 +3889,8 @@
         </p:nvSpPr>
         <p:spPr>
           <a:xfrm>
-            <a:off x="4034565" y="5688265"/>
-            <a:ext cx="1586492" cy="593704"/>
+            <a:off x="3953906" y="5688265"/>
+            <a:ext cx="1836872" cy="593704"/>
           </a:xfrm>
           <a:prstGeom prst="rect">
             <a:avLst/>
@@ -3919,8 +3936,8 @@
         </p:nvCxnSpPr>
         <p:spPr>
           <a:xfrm rot="5400000">
-            <a:off x="4586291" y="5445951"/>
-            <a:ext cx="483834" cy="794"/>
+            <a:off x="4638364" y="5438409"/>
+            <a:ext cx="483834" cy="15878"/>
           </a:xfrm>
           <a:prstGeom prst="straightConnector1">
             <a:avLst/>
@@ -4016,7 +4033,7 @@
         <p:spPr>
           <a:xfrm>
             <a:off x="6464646" y="5573763"/>
-            <a:ext cx="1828620" cy="461665"/>
+            <a:ext cx="1828170" cy="461665"/>
           </a:xfrm>
           <a:prstGeom prst="rect">
             <a:avLst/>
@@ -4031,13 +4048,30 @@
           <a:p>
             <a:r>
               <a:rPr lang="en-US" sz="1200" i="1" dirty="0" smtClean="0"/>
-              <a:t>1,600,000 bytes data</a:t>
-            </a:r>
-          </a:p>
-          <a:p>
+              <a:t>3,200,000</a:t>
+            </a:r>
             <a:r>
               <a:rPr lang="en-US" sz="1200" i="1" dirty="0" smtClean="0"/>
-              <a:t>1.600,000 bytes overhead</a:t>
+              <a:t> </a:t>
+            </a:r>
+            <a:r>
+              <a:rPr lang="en-US" sz="1200" i="1" dirty="0" smtClean="0"/>
+              <a:t>bytes data</a:t>
+            </a:r>
+            <a:endParaRPr lang="en-US" sz="1200" i="1" dirty="0" smtClean="0"/>
+          </a:p>
+          <a:p>
+            <a:r>
+              <a:rPr lang="en-US" sz="1200" i="1" dirty="0" smtClean="0"/>
+              <a:t>9,600,000</a:t>
+            </a:r>
+            <a:r>
+              <a:rPr lang="en-US" sz="1200" i="1" dirty="0" smtClean="0"/>
+              <a:t> </a:t>
+            </a:r>
+            <a:r>
+              <a:rPr lang="en-US" sz="1200" i="1" dirty="0" smtClean="0"/>
+              <a:t>bytes overhead</a:t>
             </a:r>
             <a:endParaRPr lang="en-US" sz="1200" i="1" dirty="0"/>
           </a:p>
@@ -4052,7 +4086,7 @@
         <p:spPr>
           <a:xfrm>
             <a:off x="914400" y="4411418"/>
-            <a:ext cx="2020755" cy="461665"/>
+            <a:ext cx="2171112" cy="461665"/>
           </a:xfrm>
           <a:prstGeom prst="rect">
             <a:avLst/>
@@ -4071,8 +4105,21 @@
             </a:r>
             <a:r>
               <a:rPr lang="en-US" sz="1200" i="1" dirty="0" smtClean="0"/>
-              <a:t> total size = 61.87MB</a:t>
-            </a:r>
+              <a:t> total size =</a:t>
+            </a:r>
+            <a:r>
+              <a:rPr lang="en-US" sz="1200" i="1" dirty="0" smtClean="0"/>
+              <a:t> </a:t>
+            </a:r>
+            <a:r>
+              <a:rPr lang="en-US" sz="1200" i="1" dirty="0" smtClean="0"/>
+              <a:t>70.952</a:t>
+            </a:r>
+            <a:r>
+              <a:rPr lang="en-US" sz="1200" i="1" dirty="0" smtClean="0"/>
+              <a:t>MB</a:t>
+            </a:r>
+            <a:endParaRPr lang="en-US" sz="1200" i="1" dirty="0" smtClean="0"/>
           </a:p>
           <a:p>
             <a:r>
@@ -4081,11 +4128,11 @@
             </a:r>
             <a:r>
               <a:rPr lang="en-US" sz="1200" i="1" dirty="0" smtClean="0"/>
-              <a:t> </a:t>
+              <a:t> bloat factor = </a:t>
             </a:r>
             <a:r>
               <a:rPr lang="en-US" sz="1200" i="1" dirty="0" smtClean="0"/>
-              <a:t>bloat factor = 97.5%</a:t>
+              <a:t>95.7%</a:t>
             </a:r>
             <a:endParaRPr lang="en-US" sz="1200" i="1" dirty="0"/>
           </a:p>
